--- a/mhw1.pptx
+++ b/mhw1.pptx
@@ -6178,7 +6178,7 @@
         </p:blipFill>
         <p:spPr>
           <a:xfrm>
-            <a:off x="121522" y="2193253"/>
+            <a:off x="55437" y="2193253"/>
             <a:ext cx="12070478" cy="4447871"/>
           </a:xfrm>
           <a:prstGeom prst="rect">
@@ -6434,6 +6434,88 @@
               <a:t>150px</a:t>
             </a:r>
             <a:endParaRPr lang="ru-UA" dirty="0"/>
+          </a:p>
+        </p:txBody>
+      </p:sp>
+      <p:sp>
+        <p:nvSpPr>
+          <p:cNvPr id="3" name="Прямоугольник 2">
+            <a:extLst>
+              <a:ext uri="{FF2B5EF4-FFF2-40B4-BE49-F238E27FC236}">
+                <a16:creationId xmlns:a16="http://schemas.microsoft.com/office/drawing/2014/main" id="{8D60DDCF-E33F-87C3-A654-88C43AFD372E}"/>
+              </a:ext>
+            </a:extLst>
+          </p:cNvPr>
+          <p:cNvSpPr/>
+          <p:nvPr/>
+        </p:nvSpPr>
+        <p:spPr>
+          <a:xfrm>
+            <a:off x="2556769" y="2789361"/>
+            <a:ext cx="7199790" cy="45719"/>
+          </a:xfrm>
+          <a:prstGeom prst="rect">
+            <a:avLst/>
+          </a:prstGeom>
+        </p:spPr>
+        <p:style>
+          <a:lnRef idx="2">
+            <a:schemeClr val="accent1">
+              <a:shade val="50000"/>
+            </a:schemeClr>
+          </a:lnRef>
+          <a:fillRef idx="1">
+            <a:schemeClr val="accent1"/>
+          </a:fillRef>
+          <a:effectRef idx="0">
+            <a:schemeClr val="accent1"/>
+          </a:effectRef>
+          <a:fontRef idx="minor">
+            <a:schemeClr val="lt1"/>
+          </a:fontRef>
+        </p:style>
+        <p:txBody>
+          <a:bodyPr rtlCol="0" anchor="ctr"/>
+          <a:lstStyle/>
+          <a:p>
+            <a:pPr algn="ctr"/>
+            <a:endParaRPr lang="ru-UA"/>
+          </a:p>
+        </p:txBody>
+      </p:sp>
+      <p:sp>
+        <p:nvSpPr>
+          <p:cNvPr id="5" name="TextBox 4">
+            <a:extLst>
+              <a:ext uri="{FF2B5EF4-FFF2-40B4-BE49-F238E27FC236}">
+                <a16:creationId xmlns:a16="http://schemas.microsoft.com/office/drawing/2014/main" id="{4EE22806-E4E3-A011-F54B-5A18F65BF382}"/>
+              </a:ext>
+            </a:extLst>
+          </p:cNvPr>
+          <p:cNvSpPr txBox="1"/>
+          <p:nvPr/>
+        </p:nvSpPr>
+        <p:spPr>
+          <a:xfrm>
+            <a:off x="9786575" y="2657692"/>
+            <a:ext cx="518700" cy="276999"/>
+          </a:xfrm>
+          <a:prstGeom prst="rect">
+            <a:avLst/>
+          </a:prstGeom>
+          <a:noFill/>
+        </p:spPr>
+        <p:txBody>
+          <a:bodyPr wrap="square" rtlCol="0">
+            <a:spAutoFit/>
+          </a:bodyPr>
+          <a:lstStyle/>
+          <a:p>
+            <a:r>
+              <a:rPr lang="it-IT" sz="1200" dirty="0"/>
+              <a:t>10px</a:t>
+            </a:r>
+            <a:endParaRPr lang="ru-UA" sz="1200" dirty="0"/>
           </a:p>
         </p:txBody>
       </p:sp>
@@ -7236,6 +7318,88 @@
             <a:r>
               <a:rPr lang="it-IT" sz="1400" dirty="0"/>
               <a:t>100%</a:t>
+            </a:r>
+            <a:endParaRPr lang="ru-UA" sz="1400" dirty="0"/>
+          </a:p>
+        </p:txBody>
+      </p:sp>
+      <p:sp>
+        <p:nvSpPr>
+          <p:cNvPr id="4" name="Прямоугольник 3">
+            <a:extLst>
+              <a:ext uri="{FF2B5EF4-FFF2-40B4-BE49-F238E27FC236}">
+                <a16:creationId xmlns:a16="http://schemas.microsoft.com/office/drawing/2014/main" id="{D0887F00-3844-35C9-B5A0-042D40430EF1}"/>
+              </a:ext>
+            </a:extLst>
+          </p:cNvPr>
+          <p:cNvSpPr/>
+          <p:nvPr/>
+        </p:nvSpPr>
+        <p:spPr>
+          <a:xfrm>
+            <a:off x="1837678" y="4718005"/>
+            <a:ext cx="8733454" cy="59267"/>
+          </a:xfrm>
+          <a:prstGeom prst="rect">
+            <a:avLst/>
+          </a:prstGeom>
+        </p:spPr>
+        <p:style>
+          <a:lnRef idx="2">
+            <a:schemeClr val="accent1">
+              <a:shade val="50000"/>
+            </a:schemeClr>
+          </a:lnRef>
+          <a:fillRef idx="1">
+            <a:schemeClr val="accent1"/>
+          </a:fillRef>
+          <a:effectRef idx="0">
+            <a:schemeClr val="accent1"/>
+          </a:effectRef>
+          <a:fontRef idx="minor">
+            <a:schemeClr val="lt1"/>
+          </a:fontRef>
+        </p:style>
+        <p:txBody>
+          <a:bodyPr rtlCol="0" anchor="ctr"/>
+          <a:lstStyle/>
+          <a:p>
+            <a:pPr algn="ctr"/>
+            <a:endParaRPr lang="ru-UA"/>
+          </a:p>
+        </p:txBody>
+      </p:sp>
+      <p:sp>
+        <p:nvSpPr>
+          <p:cNvPr id="10" name="TextBox 9">
+            <a:extLst>
+              <a:ext uri="{FF2B5EF4-FFF2-40B4-BE49-F238E27FC236}">
+                <a16:creationId xmlns:a16="http://schemas.microsoft.com/office/drawing/2014/main" id="{398404C8-2A45-67C4-2F4E-7204628DB1F3}"/>
+              </a:ext>
+            </a:extLst>
+          </p:cNvPr>
+          <p:cNvSpPr txBox="1"/>
+          <p:nvPr/>
+        </p:nvSpPr>
+        <p:spPr>
+          <a:xfrm>
+            <a:off x="10644327" y="4562972"/>
+            <a:ext cx="816746" cy="307777"/>
+          </a:xfrm>
+          <a:prstGeom prst="rect">
+            <a:avLst/>
+          </a:prstGeom>
+          <a:noFill/>
+        </p:spPr>
+        <p:txBody>
+          <a:bodyPr wrap="square" rtlCol="0">
+            <a:spAutoFit/>
+          </a:bodyPr>
+          <a:lstStyle/>
+          <a:p>
+            <a:r>
+              <a:rPr lang="it-IT" sz="1400"/>
+              <a:t>10px</a:t>
             </a:r>
             <a:endParaRPr lang="ru-UA" sz="1400" dirty="0"/>
           </a:p>
